--- a/docs/srna_latest.pptx
+++ b/docs/srna_latest.pptx
@@ -10,6 +10,9 @@
     <p:sldId id="258" r:id="rId4"/>
     <p:sldId id="259" r:id="rId5"/>
     <p:sldId id="261" r:id="rId6"/>
+    <p:sldId id="267" r:id="rId7"/>
+    <p:sldId id="268" r:id="rId8"/>
+    <p:sldId id="262" r:id="rId9"/>
   </p:sldIdLst>
   <p:sldSz cx="12192000" cy="6858000"/>
   <p:notesSz cx="6858000" cy="9144000"/>
@@ -108,6 +111,28 @@
       </a:defRPr>
     </a:lvl9pPr>
   </p:defaultTextStyle>
+  <p:extLst>
+    <p:ext uri="{521415D9-36F7-43E2-AB2F-B90AF26B5E84}">
+      <p14:sectionLst xmlns:p14="http://schemas.microsoft.com/office/powerpoint/2010/main">
+        <p14:section name="Default Section" id="{FE7F2E23-7E89-D54B-A896-F92FB9481225}">
+          <p14:sldIdLst>
+            <p14:sldId id="260"/>
+            <p14:sldId id="257"/>
+            <p14:sldId id="258"/>
+            <p14:sldId id="259"/>
+            <p14:sldId id="261"/>
+          </p14:sldIdLst>
+        </p14:section>
+        <p14:section name="best mapper" id="{162C6F80-ED27-724C-8DE6-F8850ECC8DFF}">
+          <p14:sldIdLst>
+            <p14:sldId id="267"/>
+            <p14:sldId id="268"/>
+            <p14:sldId id="262"/>
+          </p14:sldIdLst>
+        </p14:section>
+      </p14:sectionLst>
+    </p:ext>
+  </p:extLst>
 </p:presentation>
 </file>
 
@@ -4947,6 +4972,887 @@
 </p:sld>
 </file>
 
+<file path=ppt/slides/slide6.xml><?xml version="1.0" encoding="utf-8"?>
+<p:sld xmlns:a="http://schemas.openxmlformats.org/drawingml/2006/main" xmlns:r="http://schemas.openxmlformats.org/officeDocument/2006/relationships" xmlns:p="http://schemas.openxmlformats.org/presentationml/2006/main">
+  <p:cSld>
+    <p:spTree>
+      <p:nvGrpSpPr>
+        <p:cNvPr id="1" name=""/>
+        <p:cNvGrpSpPr/>
+        <p:nvPr/>
+      </p:nvGrpSpPr>
+      <p:grpSpPr>
+        <a:xfrm>
+          <a:off x="0" y="0"/>
+          <a:ext cx="0" cy="0"/>
+          <a:chOff x="0" y="0"/>
+          <a:chExt cx="0" cy="0"/>
+        </a:xfrm>
+      </p:grpSpPr>
+      <p:sp>
+        <p:nvSpPr>
+          <p:cNvPr id="2" name="Title 1">
+            <a:extLst>
+              <a:ext uri="{FF2B5EF4-FFF2-40B4-BE49-F238E27FC236}">
+                <a16:creationId xmlns:a16="http://schemas.microsoft.com/office/drawing/2014/main" id="{F010DBCE-029D-9376-0C33-7031E98B6BE1}"/>
+              </a:ext>
+            </a:extLst>
+          </p:cNvPr>
+          <p:cNvSpPr>
+            <a:spLocks noGrp="1"/>
+          </p:cNvSpPr>
+          <p:nvPr>
+            <p:ph type="title"/>
+          </p:nvPr>
+        </p:nvSpPr>
+        <p:spPr/>
+        <p:txBody>
+          <a:bodyPr/>
+          <a:lstStyle/>
+          <a:p>
+            <a:r>
+              <a:rPr lang="en-AT" dirty="0"/>
+              <a:t>Mapper comparison for T/C aware mapping</a:t>
+            </a:r>
+          </a:p>
+        </p:txBody>
+      </p:sp>
+      <p:sp>
+        <p:nvSpPr>
+          <p:cNvPr id="3" name="Content Placeholder 2">
+            <a:extLst>
+              <a:ext uri="{FF2B5EF4-FFF2-40B4-BE49-F238E27FC236}">
+                <a16:creationId xmlns:a16="http://schemas.microsoft.com/office/drawing/2014/main" id="{A76D536A-D333-1ABD-CBE4-081655D8606E}"/>
+              </a:ext>
+            </a:extLst>
+          </p:cNvPr>
+          <p:cNvSpPr>
+            <a:spLocks noGrp="1"/>
+          </p:cNvSpPr>
+          <p:nvPr>
+            <p:ph idx="1"/>
+          </p:nvPr>
+        </p:nvSpPr>
+        <p:spPr/>
+        <p:txBody>
+          <a:bodyPr>
+            <a:normAutofit/>
+          </a:bodyPr>
+          <a:lstStyle/>
+          <a:p>
+            <a:r>
+              <a:rPr lang="en-GB" dirty="0"/>
+              <a:t>Tailor </a:t>
+            </a:r>
+            <a:r>
+              <a:rPr lang="en-GB" dirty="0">
+                <a:solidFill>
+                  <a:srgbClr val="067D17"/>
+                </a:solidFill>
+                <a:latin typeface="JetBrains Mono"/>
+              </a:rPr>
+              <a:t>–l 18</a:t>
+            </a:r>
+          </a:p>
+          <a:p>
+            <a:r>
+              <a:rPr lang="en-GB" dirty="0" err="1"/>
+              <a:t>NextGenMap</a:t>
+            </a:r>
+            <a:r>
+              <a:rPr lang="en-GB" dirty="0"/>
+              <a:t> 0.5.5 </a:t>
+            </a:r>
+            <a:r>
+              <a:rPr lang="en-GB" dirty="0">
+                <a:solidFill>
+                  <a:srgbClr val="067D17"/>
+                </a:solidFill>
+                <a:effectLst/>
+                <a:latin typeface="JetBrains Mono"/>
+              </a:rPr>
+              <a:t>--very-sensitive</a:t>
+            </a:r>
+            <a:r>
+              <a:rPr lang="en-GB" dirty="0">
+                <a:solidFill>
+                  <a:srgbClr val="067D17"/>
+                </a:solidFill>
+                <a:latin typeface="JetBrains Mono"/>
+              </a:rPr>
+              <a:t> </a:t>
+            </a:r>
+            <a:r>
+              <a:rPr lang="en-GB" dirty="0">
+                <a:solidFill>
+                  <a:srgbClr val="067D17"/>
+                </a:solidFill>
+                <a:effectLst/>
+                <a:latin typeface="JetBrains Mono"/>
+              </a:rPr>
+              <a:t>-n 3 --strata -k 10</a:t>
+            </a:r>
+            <a:endParaRPr lang="en-GB" dirty="0"/>
+          </a:p>
+          <a:p>
+            <a:r>
+              <a:rPr lang="en-GB" dirty="0" err="1"/>
+              <a:t>srnaMapper</a:t>
+            </a:r>
+            <a:r>
+              <a:rPr lang="en-GB" dirty="0">
+                <a:solidFill>
+                  <a:srgbClr val="067D17"/>
+                </a:solidFill>
+                <a:latin typeface="JetBrains Mono"/>
+              </a:rPr>
+              <a:t> –e 3</a:t>
+            </a:r>
+          </a:p>
+          <a:p>
+            <a:r>
+              <a:rPr lang="en-GB" dirty="0"/>
+              <a:t>HISAT-3N </a:t>
+            </a:r>
+            <a:r>
+              <a:rPr lang="en-GB" dirty="0">
+                <a:solidFill>
+                  <a:srgbClr val="067D17"/>
+                </a:solidFill>
+                <a:effectLst/>
+                <a:latin typeface="JetBrains Mono"/>
+              </a:rPr>
+              <a:t>--base-change T,C</a:t>
+            </a:r>
+            <a:endParaRPr lang="en-GB" dirty="0"/>
+          </a:p>
+          <a:p>
+            <a:r>
+              <a:rPr lang="en-GB" dirty="0"/>
+              <a:t>B</a:t>
+            </a:r>
+            <a:r>
+              <a:rPr lang="en-AT" dirty="0"/>
+              <a:t>owtie v1.2.2 </a:t>
+            </a:r>
+            <a:r>
+              <a:rPr lang="en-GB" dirty="0">
+                <a:solidFill>
+                  <a:srgbClr val="067D17"/>
+                </a:solidFill>
+                <a:effectLst/>
+                <a:latin typeface="JetBrains Mono"/>
+              </a:rPr>
+              <a:t>-v 3 -m 1 -k 3 --best --strata -p 1</a:t>
+            </a:r>
+          </a:p>
+          <a:p>
+            <a:endParaRPr lang="en-GB" dirty="0">
+              <a:solidFill>
+                <a:srgbClr val="080808"/>
+              </a:solidFill>
+              <a:effectLst/>
+              <a:latin typeface="JetBrains Mono"/>
+            </a:endParaRPr>
+          </a:p>
+          <a:p>
+            <a:endParaRPr lang="en-AT" dirty="0"/>
+          </a:p>
+        </p:txBody>
+      </p:sp>
+    </p:spTree>
+    <p:extLst>
+      <p:ext uri="{BB962C8B-B14F-4D97-AF65-F5344CB8AC3E}">
+        <p14:creationId xmlns:p14="http://schemas.microsoft.com/office/powerpoint/2010/main" val="3253298730"/>
+      </p:ext>
+    </p:extLst>
+  </p:cSld>
+  <p:clrMapOvr>
+    <a:masterClrMapping/>
+  </p:clrMapOvr>
+</p:sld>
+</file>
+
+<file path=ppt/slides/slide7.xml><?xml version="1.0" encoding="utf-8"?>
+<p:sld xmlns:a="http://schemas.openxmlformats.org/drawingml/2006/main" xmlns:r="http://schemas.openxmlformats.org/officeDocument/2006/relationships" xmlns:p="http://schemas.openxmlformats.org/presentationml/2006/main">
+  <p:cSld>
+    <p:spTree>
+      <p:nvGrpSpPr>
+        <p:cNvPr id="1" name=""/>
+        <p:cNvGrpSpPr/>
+        <p:nvPr/>
+      </p:nvGrpSpPr>
+      <p:grpSpPr>
+        <a:xfrm>
+          <a:off x="0" y="0"/>
+          <a:ext cx="0" cy="0"/>
+          <a:chOff x="0" y="0"/>
+          <a:chExt cx="0" cy="0"/>
+        </a:xfrm>
+      </p:grpSpPr>
+      <p:pic>
+        <p:nvPicPr>
+          <p:cNvPr id="4" name="Content Placeholder 3">
+            <a:extLst>
+              <a:ext uri="{FF2B5EF4-FFF2-40B4-BE49-F238E27FC236}">
+                <a16:creationId xmlns:a16="http://schemas.microsoft.com/office/drawing/2014/main" id="{CA75C24F-3212-FD1D-1FAD-5162FAC6BC48}"/>
+              </a:ext>
+            </a:extLst>
+          </p:cNvPr>
+          <p:cNvPicPr>
+            <a:picLocks noGrp="1" noChangeAspect="1"/>
+          </p:cNvPicPr>
+          <p:nvPr>
+            <p:ph idx="1"/>
+          </p:nvPr>
+        </p:nvPicPr>
+        <p:blipFill>
+          <a:blip r:embed="rId2"/>
+          <a:stretch>
+            <a:fillRect/>
+          </a:stretch>
+        </p:blipFill>
+        <p:spPr>
+          <a:xfrm>
+            <a:off x="-343379" y="287593"/>
+            <a:ext cx="12645358" cy="6282813"/>
+          </a:xfrm>
+          <a:prstGeom prst="rect">
+            <a:avLst/>
+          </a:prstGeom>
+        </p:spPr>
+      </p:pic>
+      <p:sp>
+        <p:nvSpPr>
+          <p:cNvPr id="5" name="Rectangular Callout 4">
+            <a:extLst>
+              <a:ext uri="{FF2B5EF4-FFF2-40B4-BE49-F238E27FC236}">
+                <a16:creationId xmlns:a16="http://schemas.microsoft.com/office/drawing/2014/main" id="{8C59C1A4-17D8-D11D-FE53-ECB5E04CE1CE}"/>
+              </a:ext>
+            </a:extLst>
+          </p:cNvPr>
+          <p:cNvSpPr/>
+          <p:nvPr/>
+        </p:nvSpPr>
+        <p:spPr>
+          <a:xfrm flipH="1">
+            <a:off x="2015613" y="3515031"/>
+            <a:ext cx="1397876" cy="411466"/>
+          </a:xfrm>
+          <a:prstGeom prst="wedgeRectCallout">
+            <a:avLst>
+              <a:gd name="adj1" fmla="val 64481"/>
+              <a:gd name="adj2" fmla="val 47885"/>
+            </a:avLst>
+          </a:prstGeom>
+          <a:solidFill>
+            <a:srgbClr val="FFFF00">
+              <a:alpha val="46000"/>
+            </a:srgbClr>
+          </a:solidFill>
+        </p:spPr>
+        <p:style>
+          <a:lnRef idx="1">
+            <a:schemeClr val="accent4"/>
+          </a:lnRef>
+          <a:fillRef idx="2">
+            <a:schemeClr val="accent4"/>
+          </a:fillRef>
+          <a:effectRef idx="1">
+            <a:schemeClr val="accent4"/>
+          </a:effectRef>
+          <a:fontRef idx="minor">
+            <a:schemeClr val="dk1"/>
+          </a:fontRef>
+        </p:style>
+        <p:txBody>
+          <a:bodyPr rtlCol="0" anchor="ctr"/>
+          <a:lstStyle/>
+          <a:p>
+            <a:r>
+              <a:rPr lang="en-US" sz="1200" dirty="0">
+                <a:solidFill>
+                  <a:schemeClr val="tx1"/>
+                </a:solidFill>
+              </a:rPr>
+              <a:t>High </a:t>
+            </a:r>
+            <a:r>
+              <a:rPr lang="en-US" sz="1200" dirty="0" err="1">
+                <a:solidFill>
+                  <a:schemeClr val="tx1"/>
+                </a:solidFill>
+              </a:rPr>
+              <a:t>pearson</a:t>
+            </a:r>
+            <a:r>
+              <a:rPr lang="en-US" sz="1200" dirty="0">
+                <a:solidFill>
+                  <a:schemeClr val="tx1"/>
+                </a:solidFill>
+              </a:rPr>
+              <a:t> but low spearman?</a:t>
+            </a:r>
+            <a:endParaRPr lang="en-GB" sz="1200" dirty="0">
+              <a:solidFill>
+                <a:srgbClr val="080808"/>
+              </a:solidFill>
+              <a:effectLst/>
+              <a:latin typeface="JetBrains Mono"/>
+            </a:endParaRPr>
+          </a:p>
+        </p:txBody>
+      </p:sp>
+      <p:sp>
+        <p:nvSpPr>
+          <p:cNvPr id="6" name="Rectangular Callout 5">
+            <a:extLst>
+              <a:ext uri="{FF2B5EF4-FFF2-40B4-BE49-F238E27FC236}">
+                <a16:creationId xmlns:a16="http://schemas.microsoft.com/office/drawing/2014/main" id="{6975B43A-CFB0-8F31-7194-BDCE0D4AF2B8}"/>
+              </a:ext>
+            </a:extLst>
+          </p:cNvPr>
+          <p:cNvSpPr/>
+          <p:nvPr/>
+        </p:nvSpPr>
+        <p:spPr>
+          <a:xfrm flipH="1">
+            <a:off x="7526594" y="796412"/>
+            <a:ext cx="1397876" cy="411466"/>
+          </a:xfrm>
+          <a:prstGeom prst="wedgeRectCallout">
+            <a:avLst>
+              <a:gd name="adj1" fmla="val -77600"/>
+              <a:gd name="adj2" fmla="val 282062"/>
+            </a:avLst>
+          </a:prstGeom>
+          <a:solidFill>
+            <a:srgbClr val="FFFF00">
+              <a:alpha val="46000"/>
+            </a:srgbClr>
+          </a:solidFill>
+        </p:spPr>
+        <p:style>
+          <a:lnRef idx="1">
+            <a:schemeClr val="accent4"/>
+          </a:lnRef>
+          <a:fillRef idx="2">
+            <a:schemeClr val="accent4"/>
+          </a:fillRef>
+          <a:effectRef idx="1">
+            <a:schemeClr val="accent4"/>
+          </a:effectRef>
+          <a:fontRef idx="minor">
+            <a:schemeClr val="dk1"/>
+          </a:fontRef>
+        </p:style>
+        <p:txBody>
+          <a:bodyPr rtlCol="0" anchor="ctr"/>
+          <a:lstStyle/>
+          <a:p>
+            <a:r>
+              <a:rPr lang="en-US" sz="1200" dirty="0">
+                <a:solidFill>
+                  <a:schemeClr val="tx1"/>
+                </a:solidFill>
+              </a:rPr>
+              <a:t>Good correlation but some outliers ?</a:t>
+            </a:r>
+            <a:endParaRPr lang="en-GB" sz="1200" dirty="0">
+              <a:solidFill>
+                <a:srgbClr val="080808"/>
+              </a:solidFill>
+              <a:effectLst/>
+              <a:latin typeface="JetBrains Mono"/>
+            </a:endParaRPr>
+          </a:p>
+        </p:txBody>
+      </p:sp>
+    </p:spTree>
+    <p:extLst>
+      <p:ext uri="{BB962C8B-B14F-4D97-AF65-F5344CB8AC3E}">
+        <p14:creationId xmlns:p14="http://schemas.microsoft.com/office/powerpoint/2010/main" val="1191395098"/>
+      </p:ext>
+    </p:extLst>
+  </p:cSld>
+  <p:clrMapOvr>
+    <a:masterClrMapping/>
+  </p:clrMapOvr>
+</p:sld>
+</file>
+
+<file path=ppt/slides/slide8.xml><?xml version="1.0" encoding="utf-8"?>
+<p:sld xmlns:a="http://schemas.openxmlformats.org/drawingml/2006/main" xmlns:r="http://schemas.openxmlformats.org/officeDocument/2006/relationships" xmlns:p="http://schemas.openxmlformats.org/presentationml/2006/main">
+  <p:cSld>
+    <p:spTree>
+      <p:nvGrpSpPr>
+        <p:cNvPr id="1" name=""/>
+        <p:cNvGrpSpPr/>
+        <p:nvPr/>
+      </p:nvGrpSpPr>
+      <p:grpSpPr>
+        <a:xfrm>
+          <a:off x="0" y="0"/>
+          <a:ext cx="0" cy="0"/>
+          <a:chOff x="0" y="0"/>
+          <a:chExt cx="0" cy="0"/>
+        </a:xfrm>
+      </p:grpSpPr>
+      <p:pic>
+        <p:nvPicPr>
+          <p:cNvPr id="10" name="Picture 9">
+            <a:extLst>
+              <a:ext uri="{FF2B5EF4-FFF2-40B4-BE49-F238E27FC236}">
+                <a16:creationId xmlns:a16="http://schemas.microsoft.com/office/drawing/2014/main" id="{FC80D09D-3580-5AD8-68DA-2E82BB09B008}"/>
+              </a:ext>
+            </a:extLst>
+          </p:cNvPr>
+          <p:cNvPicPr>
+            <a:picLocks noChangeAspect="1"/>
+          </p:cNvPicPr>
+          <p:nvPr/>
+        </p:nvPicPr>
+        <p:blipFill>
+          <a:blip r:embed="rId2"/>
+          <a:stretch>
+            <a:fillRect/>
+          </a:stretch>
+        </p:blipFill>
+        <p:spPr>
+          <a:xfrm>
+            <a:off x="-49924" y="-177288"/>
+            <a:ext cx="11484840" cy="7268456"/>
+          </a:xfrm>
+          <a:prstGeom prst="rect">
+            <a:avLst/>
+          </a:prstGeom>
+        </p:spPr>
+      </p:pic>
+      <p:sp>
+        <p:nvSpPr>
+          <p:cNvPr id="5" name="Rectangular Callout 4">
+            <a:extLst>
+              <a:ext uri="{FF2B5EF4-FFF2-40B4-BE49-F238E27FC236}">
+                <a16:creationId xmlns:a16="http://schemas.microsoft.com/office/drawing/2014/main" id="{1DF43CC8-CCED-C4C3-4A40-1B56B949622C}"/>
+              </a:ext>
+            </a:extLst>
+          </p:cNvPr>
+          <p:cNvSpPr/>
+          <p:nvPr/>
+        </p:nvSpPr>
+        <p:spPr>
+          <a:xfrm flipH="1">
+            <a:off x="8534400" y="1415845"/>
+            <a:ext cx="1397876" cy="411466"/>
+          </a:xfrm>
+          <a:prstGeom prst="wedgeRectCallout">
+            <a:avLst>
+              <a:gd name="adj1" fmla="val 183351"/>
+              <a:gd name="adj2" fmla="val 9652"/>
+            </a:avLst>
+          </a:prstGeom>
+          <a:solidFill>
+            <a:srgbClr val="FFFF00">
+              <a:alpha val="46000"/>
+            </a:srgbClr>
+          </a:solidFill>
+        </p:spPr>
+        <p:style>
+          <a:lnRef idx="1">
+            <a:schemeClr val="accent4"/>
+          </a:lnRef>
+          <a:fillRef idx="2">
+            <a:schemeClr val="accent4"/>
+          </a:fillRef>
+          <a:effectRef idx="1">
+            <a:schemeClr val="accent4"/>
+          </a:effectRef>
+          <a:fontRef idx="minor">
+            <a:schemeClr val="dk1"/>
+          </a:fontRef>
+        </p:style>
+        <p:txBody>
+          <a:bodyPr rtlCol="0" anchor="ctr"/>
+          <a:lstStyle/>
+          <a:p>
+            <a:r>
+              <a:rPr lang="en-US" sz="1200" dirty="0">
+                <a:solidFill>
+                  <a:schemeClr val="tx1"/>
+                </a:solidFill>
+              </a:rPr>
+              <a:t>Tailor: baseline</a:t>
+            </a:r>
+            <a:endParaRPr lang="en-AT" sz="1200" dirty="0">
+              <a:solidFill>
+                <a:schemeClr val="tx1"/>
+              </a:solidFill>
+            </a:endParaRPr>
+          </a:p>
+        </p:txBody>
+      </p:sp>
+      <p:sp>
+        <p:nvSpPr>
+          <p:cNvPr id="6" name="Rectangular Callout 5">
+            <a:extLst>
+              <a:ext uri="{FF2B5EF4-FFF2-40B4-BE49-F238E27FC236}">
+                <a16:creationId xmlns:a16="http://schemas.microsoft.com/office/drawing/2014/main" id="{CB7782EA-342D-5CB2-1198-25855C69DBA9}"/>
+              </a:ext>
+            </a:extLst>
+          </p:cNvPr>
+          <p:cNvSpPr/>
+          <p:nvPr/>
+        </p:nvSpPr>
+        <p:spPr>
+          <a:xfrm flipH="1">
+            <a:off x="9106790" y="5187939"/>
+            <a:ext cx="1650972" cy="747252"/>
+          </a:xfrm>
+          <a:prstGeom prst="wedgeRectCallout">
+            <a:avLst>
+              <a:gd name="adj1" fmla="val 183351"/>
+              <a:gd name="adj2" fmla="val 9652"/>
+            </a:avLst>
+          </a:prstGeom>
+          <a:solidFill>
+            <a:srgbClr val="FFFF00">
+              <a:alpha val="46000"/>
+            </a:srgbClr>
+          </a:solidFill>
+        </p:spPr>
+        <p:style>
+          <a:lnRef idx="1">
+            <a:schemeClr val="accent4"/>
+          </a:lnRef>
+          <a:fillRef idx="2">
+            <a:schemeClr val="accent4"/>
+          </a:fillRef>
+          <a:effectRef idx="1">
+            <a:schemeClr val="accent4"/>
+          </a:effectRef>
+          <a:fontRef idx="minor">
+            <a:schemeClr val="dk1"/>
+          </a:fontRef>
+        </p:style>
+        <p:txBody>
+          <a:bodyPr rtlCol="0" anchor="ctr"/>
+          <a:lstStyle/>
+          <a:p>
+            <a:r>
+              <a:rPr lang="en-US" sz="1100" dirty="0" err="1">
+                <a:solidFill>
+                  <a:schemeClr val="tx1"/>
+                </a:solidFill>
+              </a:rPr>
+              <a:t>srnaMapper</a:t>
+            </a:r>
+            <a:r>
+              <a:rPr lang="en-US" sz="1100" dirty="0">
+                <a:solidFill>
+                  <a:schemeClr val="tx1"/>
+                </a:solidFill>
+              </a:rPr>
+              <a:t>:</a:t>
+            </a:r>
+            <a:endParaRPr lang="en-GB" sz="1100" dirty="0">
+              <a:solidFill>
+                <a:schemeClr val="tx1"/>
+              </a:solidFill>
+              <a:effectLst/>
+              <a:latin typeface="JetBrains Mono"/>
+            </a:endParaRPr>
+          </a:p>
+          <a:p>
+            <a:r>
+              <a:rPr lang="en-GB" sz="1100" dirty="0">
+                <a:solidFill>
+                  <a:schemeClr val="tx1"/>
+                </a:solidFill>
+                <a:latin typeface="JetBrains Mono"/>
+              </a:rPr>
+              <a:t>Some weird (wrong) alignments but good </a:t>
+            </a:r>
+            <a:r>
+              <a:rPr lang="en-GB" sz="1100" dirty="0" err="1">
+                <a:solidFill>
+                  <a:schemeClr val="tx1"/>
+                </a:solidFill>
+                <a:latin typeface="JetBrains Mono"/>
+              </a:rPr>
+              <a:t>readcount</a:t>
+            </a:r>
+            <a:r>
+              <a:rPr lang="en-GB" sz="1100" dirty="0">
+                <a:solidFill>
+                  <a:schemeClr val="tx1"/>
+                </a:solidFill>
+                <a:latin typeface="JetBrains Mono"/>
+              </a:rPr>
+              <a:t> </a:t>
+            </a:r>
+            <a:r>
+              <a:rPr lang="en-GB" sz="1100" dirty="0" err="1">
+                <a:solidFill>
+                  <a:schemeClr val="tx1"/>
+                </a:solidFill>
+                <a:latin typeface="JetBrains Mono"/>
+              </a:rPr>
+              <a:t>coorelation</a:t>
+            </a:r>
+            <a:endParaRPr lang="en-GB" sz="1100" dirty="0">
+              <a:solidFill>
+                <a:schemeClr val="tx1"/>
+              </a:solidFill>
+              <a:effectLst/>
+              <a:latin typeface="JetBrains Mono"/>
+            </a:endParaRPr>
+          </a:p>
+        </p:txBody>
+      </p:sp>
+      <p:sp>
+        <p:nvSpPr>
+          <p:cNvPr id="7" name="Rectangular Callout 6">
+            <a:extLst>
+              <a:ext uri="{FF2B5EF4-FFF2-40B4-BE49-F238E27FC236}">
+                <a16:creationId xmlns:a16="http://schemas.microsoft.com/office/drawing/2014/main" id="{200A161F-2782-0CEF-0B08-4364E199EB54}"/>
+              </a:ext>
+            </a:extLst>
+          </p:cNvPr>
+          <p:cNvSpPr/>
+          <p:nvPr/>
+        </p:nvSpPr>
+        <p:spPr>
+          <a:xfrm flipH="1">
+            <a:off x="1651819" y="4393016"/>
+            <a:ext cx="1905085" cy="493616"/>
+          </a:xfrm>
+          <a:prstGeom prst="wedgeRectCallout">
+            <a:avLst>
+              <a:gd name="adj1" fmla="val -314762"/>
+              <a:gd name="adj2" fmla="val -53283"/>
+            </a:avLst>
+          </a:prstGeom>
+          <a:solidFill>
+            <a:srgbClr val="FFFF00">
+              <a:alpha val="46000"/>
+            </a:srgbClr>
+          </a:solidFill>
+        </p:spPr>
+        <p:style>
+          <a:lnRef idx="1">
+            <a:schemeClr val="accent4"/>
+          </a:lnRef>
+          <a:fillRef idx="2">
+            <a:schemeClr val="accent4"/>
+          </a:fillRef>
+          <a:effectRef idx="1">
+            <a:schemeClr val="accent4"/>
+          </a:effectRef>
+          <a:fontRef idx="minor">
+            <a:schemeClr val="dk1"/>
+          </a:fontRef>
+        </p:style>
+        <p:txBody>
+          <a:bodyPr rtlCol="0" anchor="ctr"/>
+          <a:lstStyle/>
+          <a:p>
+            <a:r>
+              <a:rPr lang="en-US" sz="1200" dirty="0">
+                <a:solidFill>
+                  <a:schemeClr val="tx1"/>
+                </a:solidFill>
+              </a:rPr>
+              <a:t>HISAT-3N with T/C index: some false alignment due to unpunished T/C mm </a:t>
+            </a:r>
+            <a:endParaRPr lang="en-AT" sz="1200" dirty="0">
+              <a:solidFill>
+                <a:schemeClr val="tx1"/>
+              </a:solidFill>
+            </a:endParaRPr>
+          </a:p>
+        </p:txBody>
+      </p:sp>
+      <p:sp>
+        <p:nvSpPr>
+          <p:cNvPr id="8" name="Rectangular Callout 7">
+            <a:extLst>
+              <a:ext uri="{FF2B5EF4-FFF2-40B4-BE49-F238E27FC236}">
+                <a16:creationId xmlns:a16="http://schemas.microsoft.com/office/drawing/2014/main" id="{A38C437A-6FFE-B3B0-741C-F97827A6B63F}"/>
+              </a:ext>
+            </a:extLst>
+          </p:cNvPr>
+          <p:cNvSpPr/>
+          <p:nvPr/>
+        </p:nvSpPr>
+        <p:spPr>
+          <a:xfrm flipH="1">
+            <a:off x="9281652" y="2436226"/>
+            <a:ext cx="1501962" cy="533116"/>
+          </a:xfrm>
+          <a:prstGeom prst="wedgeRectCallout">
+            <a:avLst>
+              <a:gd name="adj1" fmla="val 101760"/>
+              <a:gd name="adj2" fmla="val -42918"/>
+            </a:avLst>
+          </a:prstGeom>
+          <a:solidFill>
+            <a:srgbClr val="FFFF00">
+              <a:alpha val="46000"/>
+            </a:srgbClr>
+          </a:solidFill>
+        </p:spPr>
+        <p:style>
+          <a:lnRef idx="1">
+            <a:schemeClr val="accent4"/>
+          </a:lnRef>
+          <a:fillRef idx="2">
+            <a:schemeClr val="accent4"/>
+          </a:fillRef>
+          <a:effectRef idx="1">
+            <a:schemeClr val="accent4"/>
+          </a:effectRef>
+          <a:fontRef idx="minor">
+            <a:schemeClr val="dk1"/>
+          </a:fontRef>
+        </p:style>
+        <p:txBody>
+          <a:bodyPr rtlCol="0" anchor="ctr"/>
+          <a:lstStyle/>
+          <a:p>
+            <a:r>
+              <a:rPr lang="en-US" sz="1200" dirty="0" err="1">
+                <a:solidFill>
+                  <a:schemeClr val="tx1"/>
+                </a:solidFill>
+              </a:rPr>
+              <a:t>NextGenMap</a:t>
+            </a:r>
+            <a:r>
+              <a:rPr lang="en-US" sz="1200" dirty="0">
+                <a:solidFill>
+                  <a:schemeClr val="tx1"/>
+                </a:solidFill>
+              </a:rPr>
+              <a:t>: good best </a:t>
+            </a:r>
+            <a:r>
+              <a:rPr lang="en-US" sz="1200" dirty="0" err="1">
+                <a:solidFill>
+                  <a:schemeClr val="tx1"/>
+                </a:solidFill>
+              </a:rPr>
+              <a:t>rc</a:t>
+            </a:r>
+            <a:r>
+              <a:rPr lang="en-US" sz="1200" dirty="0">
+                <a:solidFill>
+                  <a:schemeClr val="tx1"/>
+                </a:solidFill>
+              </a:rPr>
+              <a:t> correlation with tailor</a:t>
+            </a:r>
+            <a:endParaRPr lang="en-AT" sz="1200" dirty="0">
+              <a:solidFill>
+                <a:schemeClr val="tx1"/>
+              </a:solidFill>
+            </a:endParaRPr>
+          </a:p>
+        </p:txBody>
+      </p:sp>
+      <p:sp>
+        <p:nvSpPr>
+          <p:cNvPr id="9" name="Rectangular Callout 8">
+            <a:extLst>
+              <a:ext uri="{FF2B5EF4-FFF2-40B4-BE49-F238E27FC236}">
+                <a16:creationId xmlns:a16="http://schemas.microsoft.com/office/drawing/2014/main" id="{4F732E8B-440D-8C37-AEB6-5D188217E7BB}"/>
+              </a:ext>
+            </a:extLst>
+          </p:cNvPr>
+          <p:cNvSpPr/>
+          <p:nvPr/>
+        </p:nvSpPr>
+        <p:spPr>
+          <a:xfrm flipH="1">
+            <a:off x="9385738" y="3223267"/>
+            <a:ext cx="1397876" cy="411466"/>
+          </a:xfrm>
+          <a:prstGeom prst="wedgeRectCallout">
+            <a:avLst>
+              <a:gd name="adj1" fmla="val 86286"/>
+              <a:gd name="adj2" fmla="val -30971"/>
+            </a:avLst>
+          </a:prstGeom>
+          <a:solidFill>
+            <a:srgbClr val="FFFF00">
+              <a:alpha val="46000"/>
+            </a:srgbClr>
+          </a:solidFill>
+        </p:spPr>
+        <p:style>
+          <a:lnRef idx="1">
+            <a:schemeClr val="accent4"/>
+          </a:lnRef>
+          <a:fillRef idx="2">
+            <a:schemeClr val="accent4"/>
+          </a:fillRef>
+          <a:effectRef idx="1">
+            <a:schemeClr val="accent4"/>
+          </a:effectRef>
+          <a:fontRef idx="minor">
+            <a:schemeClr val="dk1"/>
+          </a:fontRef>
+        </p:style>
+        <p:txBody>
+          <a:bodyPr rtlCol="0" anchor="ctr"/>
+          <a:lstStyle/>
+          <a:p>
+            <a:r>
+              <a:rPr lang="en-US" sz="1200" dirty="0">
+                <a:solidFill>
+                  <a:schemeClr val="tx1"/>
+                </a:solidFill>
+              </a:rPr>
+              <a:t>Bowtie 1.2.2: good </a:t>
+            </a:r>
+            <a:r>
+              <a:rPr lang="en-US" sz="1200" dirty="0" err="1">
+                <a:solidFill>
+                  <a:schemeClr val="tx1"/>
+                </a:solidFill>
+              </a:rPr>
+              <a:t>rc</a:t>
+            </a:r>
+            <a:r>
+              <a:rPr lang="en-US" sz="1200" dirty="0">
+                <a:solidFill>
+                  <a:schemeClr val="tx1"/>
+                </a:solidFill>
+              </a:rPr>
+              <a:t> correlation</a:t>
+            </a:r>
+            <a:endParaRPr lang="en-GB" sz="1200" dirty="0">
+              <a:solidFill>
+                <a:srgbClr val="080808"/>
+              </a:solidFill>
+              <a:effectLst/>
+              <a:latin typeface="JetBrains Mono"/>
+            </a:endParaRPr>
+          </a:p>
+        </p:txBody>
+      </p:sp>
+    </p:spTree>
+    <p:extLst>
+      <p:ext uri="{BB962C8B-B14F-4D97-AF65-F5344CB8AC3E}">
+        <p14:creationId xmlns:p14="http://schemas.microsoft.com/office/powerpoint/2010/main" val="597382042"/>
+      </p:ext>
+    </p:extLst>
+  </p:cSld>
+  <p:clrMapOvr>
+    <a:masterClrMapping/>
+  </p:clrMapOvr>
+</p:sld>
+</file>
+
 <file path=ppt/theme/theme1.xml><?xml version="1.0" encoding="utf-8"?>
 <a:theme xmlns:a="http://schemas.openxmlformats.org/drawingml/2006/main" name="Office Theme">
   <a:themeElements>
